--- a/Netflix Data_ Cleaning, Analysis and Visualization_ (Data Analyst)/Presentation.pptx
+++ b/Netflix Data_ Cleaning, Analysis and Visualization_ (Data Analyst)/Presentation.pptx
@@ -9,15 +9,15 @@
   </p:handoutMasterIdLst>
   <p:sldIdLst>
     <p:sldId id="256" r:id="rId2"/>
-    <p:sldId id="257" r:id="rId3"/>
+    <p:sldId id="268" r:id="rId3"/>
     <p:sldId id="258" r:id="rId4"/>
-    <p:sldId id="259" r:id="rId5"/>
+    <p:sldId id="270" r:id="rId5"/>
     <p:sldId id="260" r:id="rId6"/>
     <p:sldId id="261" r:id="rId7"/>
     <p:sldId id="266" r:id="rId8"/>
-    <p:sldId id="263" r:id="rId9"/>
-    <p:sldId id="267" r:id="rId10"/>
-    <p:sldId id="265" r:id="rId11"/>
+    <p:sldId id="269" r:id="rId9"/>
+    <p:sldId id="271" r:id="rId10"/>
+    <p:sldId id="272" r:id="rId11"/>
   </p:sldIdLst>
   <p:sldSz cx="12192000" cy="6858000"/>
   <p:notesSz cx="6858000" cy="9144000"/>
@@ -221,7 +221,7 @@
           <a:p>
             <a:fld id="{D2BF5D39-5FF9-4C1B-85D4-A7E01899C4CA}" type="datetimeFigureOut">
               <a:rPr lang="en-IN" smtClean="0"/>
-              <a:t>28-09-2024</a:t>
+              <a:t>02-10-2024</a:t>
             </a:fld>
             <a:endParaRPr lang="en-IN"/>
           </a:p>
@@ -495,7 +495,7 @@
           <a:p>
             <a:fld id="{024E9516-09E7-4C25-B7DA-ACDB4E19B747}" type="datetimeFigureOut">
               <a:rPr lang="en-IN" smtClean="0"/>
-              <a:t>28-09-2024</a:t>
+              <a:t>02-10-2024</a:t>
             </a:fld>
             <a:endParaRPr lang="en-IN" dirty="0"/>
           </a:p>
@@ -695,7 +695,7 @@
           <a:p>
             <a:fld id="{024E9516-09E7-4C25-B7DA-ACDB4E19B747}" type="datetimeFigureOut">
               <a:rPr lang="en-IN" smtClean="0"/>
-              <a:t>28-09-2024</a:t>
+              <a:t>02-10-2024</a:t>
             </a:fld>
             <a:endParaRPr lang="en-IN"/>
           </a:p>
@@ -905,7 +905,7 @@
           <a:p>
             <a:fld id="{024E9516-09E7-4C25-B7DA-ACDB4E19B747}" type="datetimeFigureOut">
               <a:rPr lang="en-IN" smtClean="0"/>
-              <a:t>28-09-2024</a:t>
+              <a:t>02-10-2024</a:t>
             </a:fld>
             <a:endParaRPr lang="en-IN"/>
           </a:p>
@@ -1013,12 +1013,12 @@
         </p:nvSpPr>
         <p:spPr>
           <a:xfrm>
-            <a:off x="838200" y="626382"/>
-            <a:ext cx="10515600" cy="1325563"/>
+            <a:off x="214531" y="2125435"/>
+            <a:ext cx="4567314" cy="2607129"/>
           </a:xfrm>
           <a:prstGeom prst="roundRect">
             <a:avLst>
-              <a:gd name="adj" fmla="val 50000"/>
+              <a:gd name="adj" fmla="val 18843"/>
             </a:avLst>
           </a:prstGeom>
           <a:solidFill>
@@ -1033,10 +1033,12 @@
           </a:effectLst>
         </p:spPr>
         <p:txBody>
-          <a:bodyPr/>
+          <a:bodyPr wrap="square">
+            <a:spAutoFit/>
+          </a:bodyPr>
           <a:lstStyle>
-            <a:lvl1pPr algn="ctr">
-              <a:defRPr/>
+            <a:lvl1pPr algn="l">
+              <a:defRPr sz="5400"/>
             </a:lvl1pPr>
           </a:lstStyle>
           <a:p>
@@ -1066,22 +1068,22 @@
         </p:nvSpPr>
         <p:spPr>
           <a:xfrm>
-            <a:off x="838200" y="2420801"/>
-            <a:ext cx="10515600" cy="4351338"/>
+            <a:off x="4781845" y="1253331"/>
+            <a:ext cx="7195624" cy="4351338"/>
           </a:xfrm>
-          <a:solidFill>
-            <a:schemeClr val="tx1">
-              <a:lumMod val="95000"/>
-              <a:lumOff val="5000"/>
-              <a:alpha val="73000"/>
-            </a:schemeClr>
-          </a:solidFill>
+          <a:prstGeom prst="roundRect">
+            <a:avLst/>
+          </a:prstGeom>
+          <a:noFill/>
+          <a:ln w="28575">
+            <a:noFill/>
+          </a:ln>
           <a:effectLst>
-            <a:softEdge rad="406400"/>
+            <a:softEdge rad="0"/>
           </a:effectLst>
         </p:spPr>
         <p:txBody>
-          <a:bodyPr/>
+          <a:bodyPr lIns="396000" tIns="396000" rIns="396000"/>
           <a:lstStyle>
             <a:lvl1pPr>
               <a:defRPr sz="2200">
@@ -1175,9 +1177,9 @@
           <a:p>
             <a:fld id="{024E9516-09E7-4C25-B7DA-ACDB4E19B747}" type="datetimeFigureOut">
               <a:rPr lang="en-IN" smtClean="0"/>
-              <a:t>28-09-2024</a:t>
+              <a:t>02-10-2024</a:t>
             </a:fld>
-            <a:endParaRPr lang="en-IN"/>
+            <a:endParaRPr lang="en-IN" dirty="0"/>
           </a:p>
         </p:txBody>
       </p:sp>
@@ -1451,7 +1453,7 @@
           <a:p>
             <a:fld id="{024E9516-09E7-4C25-B7DA-ACDB4E19B747}" type="datetimeFigureOut">
               <a:rPr lang="en-IN" smtClean="0"/>
-              <a:t>28-09-2024</a:t>
+              <a:t>02-10-2024</a:t>
             </a:fld>
             <a:endParaRPr lang="en-IN"/>
           </a:p>
@@ -1719,7 +1721,7 @@
           <a:p>
             <a:fld id="{024E9516-09E7-4C25-B7DA-ACDB4E19B747}" type="datetimeFigureOut">
               <a:rPr lang="en-IN" smtClean="0"/>
-              <a:t>28-09-2024</a:t>
+              <a:t>02-10-2024</a:t>
             </a:fld>
             <a:endParaRPr lang="en-IN"/>
           </a:p>
@@ -2134,7 +2136,7 @@
           <a:p>
             <a:fld id="{024E9516-09E7-4C25-B7DA-ACDB4E19B747}" type="datetimeFigureOut">
               <a:rPr lang="en-IN" smtClean="0"/>
-              <a:t>28-09-2024</a:t>
+              <a:t>02-10-2024</a:t>
             </a:fld>
             <a:endParaRPr lang="en-IN"/>
           </a:p>
@@ -2276,7 +2278,7 @@
           <a:p>
             <a:fld id="{024E9516-09E7-4C25-B7DA-ACDB4E19B747}" type="datetimeFigureOut">
               <a:rPr lang="en-IN" smtClean="0"/>
-              <a:t>28-09-2024</a:t>
+              <a:t>02-10-2024</a:t>
             </a:fld>
             <a:endParaRPr lang="en-IN"/>
           </a:p>
@@ -2389,7 +2391,7 @@
           <a:p>
             <a:fld id="{024E9516-09E7-4C25-B7DA-ACDB4E19B747}" type="datetimeFigureOut">
               <a:rPr lang="en-IN" smtClean="0"/>
-              <a:t>28-09-2024</a:t>
+              <a:t>02-10-2024</a:t>
             </a:fld>
             <a:endParaRPr lang="en-IN"/>
           </a:p>
@@ -2702,7 +2704,7 @@
           <a:p>
             <a:fld id="{024E9516-09E7-4C25-B7DA-ACDB4E19B747}" type="datetimeFigureOut">
               <a:rPr lang="en-IN" smtClean="0"/>
-              <a:t>28-09-2024</a:t>
+              <a:t>02-10-2024</a:t>
             </a:fld>
             <a:endParaRPr lang="en-IN"/>
           </a:p>
@@ -2991,7 +2993,7 @@
           <a:p>
             <a:fld id="{024E9516-09E7-4C25-B7DA-ACDB4E19B747}" type="datetimeFigureOut">
               <a:rPr lang="en-IN" smtClean="0"/>
-              <a:t>28-09-2024</a:t>
+              <a:t>02-10-2024</a:t>
             </a:fld>
             <a:endParaRPr lang="en-IN"/>
           </a:p>
@@ -3071,7 +3073,20 @@
       <p:bgPr>
         <a:blipFill dpi="0" rotWithShape="1">
           <a:blip r:embed="rId13">
-            <a:lum/>
+            <a:extLst>
+              <a:ext uri="{BEBA8EAE-BF5A-486C-A8C5-ECC9F3942E4B}">
+                <a14:imgProps xmlns:a14="http://schemas.microsoft.com/office/drawing/2010/main">
+                  <a14:imgLayer r:embed="rId14">
+                    <a14:imgEffect>
+                      <a14:artisticGlowEdges trans="0" smoothness="10"/>
+                    </a14:imgEffect>
+                    <a14:imgEffect>
+                      <a14:brightnessContrast bright="-24000"/>
+                    </a14:imgEffect>
+                  </a14:imgLayer>
+                </a14:imgProps>
+              </a:ext>
+            </a:extLst>
           </a:blip>
           <a:srcRect/>
           <a:stretch>
@@ -3295,7 +3310,7 @@
           <a:p>
             <a:fld id="{024E9516-09E7-4C25-B7DA-ACDB4E19B747}" type="datetimeFigureOut">
               <a:rPr lang="en-IN" smtClean="0"/>
-              <a:t>28-09-2024</a:t>
+              <a:t>02-10-2024</a:t>
             </a:fld>
             <a:endParaRPr lang="en-IN"/>
           </a:p>
@@ -3856,7 +3871,7 @@
           <p:cNvPr id="2" name="Title 1">
             <a:extLst>
               <a:ext uri="{FF2B5EF4-FFF2-40B4-BE49-F238E27FC236}">
-                <a16:creationId xmlns:a16="http://schemas.microsoft.com/office/drawing/2014/main" id="{D1AE71CF-F17D-4EF0-C0FD-ABE89B553EF1}"/>
+                <a16:creationId xmlns:a16="http://schemas.microsoft.com/office/drawing/2014/main" id="{1B61787C-4324-873E-EF26-03189AF14CF7}"/>
               </a:ext>
             </a:extLst>
           </p:cNvPr>
@@ -3867,7 +3882,12 @@
             <p:ph type="title"/>
           </p:nvPr>
         </p:nvSpPr>
-        <p:spPr/>
+        <p:spPr>
+          <a:xfrm>
+            <a:off x="214531" y="2542781"/>
+            <a:ext cx="4567314" cy="1772436"/>
+          </a:xfrm>
+        </p:spPr>
         <p:txBody>
           <a:bodyPr/>
           <a:lstStyle/>
@@ -3884,7 +3904,7 @@
           <p:cNvPr id="3" name="Content Placeholder 2">
             <a:extLst>
               <a:ext uri="{FF2B5EF4-FFF2-40B4-BE49-F238E27FC236}">
-                <a16:creationId xmlns:a16="http://schemas.microsoft.com/office/drawing/2014/main" id="{8354CD9A-ED8F-06C8-4F65-76036E553314}"/>
+                <a16:creationId xmlns:a16="http://schemas.microsoft.com/office/drawing/2014/main" id="{40CF2104-BA1A-8E55-AE52-B93FDE729E4B}"/>
               </a:ext>
             </a:extLst>
           </p:cNvPr>
@@ -3900,45 +3920,33 @@
           <a:bodyPr/>
           <a:lstStyle/>
           <a:p>
-            <a:pPr>
-              <a:buFont typeface="Arial" panose="020B0604020202020204" pitchFamily="34" charset="0"/>
-              <a:buChar char="•"/>
-            </a:pPr>
             <a:r>
               <a:rPr lang="en-US" b="1" dirty="0"/>
-              <a:t>Feature Engineering:</a:t>
+              <a:t>Feature Engineering: </a:t>
             </a:r>
             <a:r>
               <a:rPr lang="en-US" dirty="0"/>
-              <a:t> Generate new features such as detailed genre classifications and content duration.</a:t>
-            </a:r>
-          </a:p>
-          <a:p>
-            <a:pPr>
-              <a:buFont typeface="Arial" panose="020B0604020202020204" pitchFamily="34" charset="0"/>
-              <a:buChar char="•"/>
-            </a:pPr>
+              <a:t>Generate new features such as detailed genre classifications and content duration.</a:t>
+            </a:r>
+          </a:p>
+          <a:p>
             <a:r>
               <a:rPr lang="en-US" b="1" dirty="0"/>
-              <a:t>Machine Learning:</a:t>
+              <a:t>Machine Learning: </a:t>
             </a:r>
             <a:r>
               <a:rPr lang="en-US" dirty="0"/>
-              <a:t> Develop recommendation systems or content trend prediction models using the cleaned data.</a:t>
-            </a:r>
-          </a:p>
-          <a:p>
-            <a:pPr>
-              <a:buFont typeface="Arial" panose="020B0604020202020204" pitchFamily="34" charset="0"/>
-              <a:buChar char="•"/>
-            </a:pPr>
+              <a:t>Develop recommendation systems or content trend prediction models using the cleaned data.</a:t>
+            </a:r>
+          </a:p>
+          <a:p>
             <a:r>
               <a:rPr lang="en-US" b="1" dirty="0"/>
-              <a:t>Interactive Visualizations:</a:t>
+              <a:t>Interactive Visualizations: </a:t>
             </a:r>
             <a:r>
               <a:rPr lang="en-US" dirty="0"/>
-              <a:t> Expand the analysis by creating interactive dashboards in Tableau or other visualization tools.</a:t>
+              <a:t>Expand the analysis by creating interactive dashboards in Tableau or other visualization tools.</a:t>
             </a:r>
           </a:p>
         </p:txBody>
@@ -3946,7 +3954,7 @@
     </p:spTree>
     <p:extLst>
       <p:ext uri="{BB962C8B-B14F-4D97-AF65-F5344CB8AC3E}">
-        <p14:creationId xmlns:p14="http://schemas.microsoft.com/office/powerpoint/2010/main" val="3719442781"/>
+        <p14:creationId xmlns:p14="http://schemas.microsoft.com/office/powerpoint/2010/main" val="2578306943"/>
       </p:ext>
     </p:extLst>
   </p:cSld>
@@ -3978,7 +3986,7 @@
           <p:cNvPr id="2" name="Title 1">
             <a:extLst>
               <a:ext uri="{FF2B5EF4-FFF2-40B4-BE49-F238E27FC236}">
-                <a16:creationId xmlns:a16="http://schemas.microsoft.com/office/drawing/2014/main" id="{673EF926-96C8-C29C-5E9A-9DCD101154DB}"/>
+                <a16:creationId xmlns:a16="http://schemas.microsoft.com/office/drawing/2014/main" id="{8C287792-A44A-7C3C-BE46-89FE23B395B6}"/>
               </a:ext>
             </a:extLst>
           </p:cNvPr>
@@ -3989,7 +3997,12 @@
             <p:ph type="title"/>
           </p:nvPr>
         </p:nvSpPr>
-        <p:spPr/>
+        <p:spPr>
+          <a:xfrm>
+            <a:off x="214531" y="2542781"/>
+            <a:ext cx="4567314" cy="1772436"/>
+          </a:xfrm>
+        </p:spPr>
         <p:txBody>
           <a:bodyPr/>
           <a:lstStyle/>
@@ -4006,7 +4019,7 @@
           <p:cNvPr id="3" name="Content Placeholder 2">
             <a:extLst>
               <a:ext uri="{FF2B5EF4-FFF2-40B4-BE49-F238E27FC236}">
-                <a16:creationId xmlns:a16="http://schemas.microsoft.com/office/drawing/2014/main" id="{EAA5668F-4DE7-316D-6784-9266F138FFD1}"/>
+                <a16:creationId xmlns:a16="http://schemas.microsoft.com/office/drawing/2014/main" id="{3017F5BF-BE45-78F2-40D2-37143ECB1053}"/>
               </a:ext>
             </a:extLst>
           </p:cNvPr>
@@ -4017,19 +4030,13 @@
             <p:ph idx="1"/>
           </p:nvPr>
         </p:nvSpPr>
-        <p:spPr>
-          <a:xfrm>
-            <a:off x="838200" y="2141537"/>
-            <a:ext cx="10515600" cy="4351338"/>
-          </a:xfrm>
-        </p:spPr>
-        <p:txBody>
-          <a:bodyPr/>
-          <a:lstStyle/>
-          <a:p>
-            <a:pPr marL="0" indent="0">
-              <a:buNone/>
-            </a:pPr>
+        <p:spPr/>
+        <p:txBody>
+          <a:bodyPr>
+            <a:normAutofit fontScale="92500"/>
+          </a:bodyPr>
+          <a:lstStyle/>
+          <a:p>
             <a:r>
               <a:rPr lang="en-US" b="1" dirty="0"/>
               <a:t>Netflix Overview:</a:t>
@@ -4043,40 +4050,28 @@
             </a:r>
           </a:p>
           <a:p>
-            <a:pPr marL="0" indent="0">
-              <a:buNone/>
-            </a:pPr>
+            <a:r>
+              <a:rPr lang="en-US" b="1" dirty="0"/>
+              <a:t>Objective:</a:t>
+            </a:r>
             <a:br>
               <a:rPr lang="en-US" dirty="0"/>
             </a:br>
             <a:r>
+              <a:rPr lang="en-US" dirty="0"/>
+              <a:t>	The project focuses on cleaning, analyzing, and visualizing Netflix data from 2008 to 2021 to gain insights into content distribution and trends over time.</a:t>
+            </a:r>
+          </a:p>
+          <a:p>
+            <a:r>
               <a:rPr lang="en-US" b="1" dirty="0"/>
-              <a:t>Objective:</a:t>
+              <a:t>Data Summary:</a:t>
             </a:r>
             <a:br>
               <a:rPr lang="en-US" dirty="0"/>
             </a:br>
             <a:r>
               <a:rPr lang="en-US" dirty="0"/>
-              <a:t>	The project focuses on cleaning, analyzing, and visualizing Netflix data from 2008 to 2021 to gain insights into content distribution and trends over time.</a:t>
-            </a:r>
-          </a:p>
-          <a:p>
-            <a:pPr marL="0" indent="0">
-              <a:buNone/>
-            </a:pPr>
-            <a:br>
-              <a:rPr lang="en-US" dirty="0"/>
-            </a:br>
-            <a:r>
-              <a:rPr lang="en-US" b="1" dirty="0"/>
-              <a:t>Data Summary:</a:t>
-            </a:r>
-            <a:br>
-              <a:rPr lang="en-US" dirty="0"/>
-            </a:br>
-            <a:r>
-              <a:rPr lang="en-US" dirty="0"/>
               <a:t>	The dataset consists of content added to Netflix, with details like title, director, country, release year, and rating.</a:t>
             </a:r>
             <a:endParaRPr lang="en-IN" dirty="0"/>
@@ -4086,7 +4081,7 @@
     </p:spTree>
     <p:extLst>
       <p:ext uri="{BB962C8B-B14F-4D97-AF65-F5344CB8AC3E}">
-        <p14:creationId xmlns:p14="http://schemas.microsoft.com/office/powerpoint/2010/main" val="2657856465"/>
+        <p14:creationId xmlns:p14="http://schemas.microsoft.com/office/powerpoint/2010/main" val="4179051910"/>
       </p:ext>
     </p:extLst>
   </p:cSld>
@@ -4131,7 +4126,9 @@
         </p:nvSpPr>
         <p:spPr/>
         <p:txBody>
-          <a:bodyPr/>
+          <a:bodyPr>
+            <a:normAutofit/>
+          </a:bodyPr>
           <a:lstStyle/>
           <a:p>
             <a:r>
@@ -4159,7 +4156,9 @@
         </p:nvSpPr>
         <p:spPr/>
         <p:txBody>
-          <a:bodyPr/>
+          <a:bodyPr>
+            <a:normAutofit lnSpcReduction="10000"/>
+          </a:bodyPr>
           <a:lstStyle/>
           <a:p>
             <a:pPr>
@@ -4268,7 +4267,7 @@
           <p:cNvPr id="2" name="Title 1">
             <a:extLst>
               <a:ext uri="{FF2B5EF4-FFF2-40B4-BE49-F238E27FC236}">
-                <a16:creationId xmlns:a16="http://schemas.microsoft.com/office/drawing/2014/main" id="{8B1AD110-1F10-3762-ACE7-9EF00ACB1EC7}"/>
+                <a16:creationId xmlns:a16="http://schemas.microsoft.com/office/drawing/2014/main" id="{B57127EF-DF61-7273-34AC-0846ED09067F}"/>
               </a:ext>
             </a:extLst>
           </p:cNvPr>
@@ -4279,7 +4278,12 @@
             <p:ph type="title"/>
           </p:nvPr>
         </p:nvSpPr>
-        <p:spPr/>
+        <p:spPr>
+          <a:xfrm>
+            <a:off x="214531" y="2542781"/>
+            <a:ext cx="4567314" cy="1772436"/>
+          </a:xfrm>
+        </p:spPr>
         <p:txBody>
           <a:bodyPr/>
           <a:lstStyle/>
@@ -4296,7 +4300,7 @@
           <p:cNvPr id="3" name="Content Placeholder 2">
             <a:extLst>
               <a:ext uri="{FF2B5EF4-FFF2-40B4-BE49-F238E27FC236}">
-                <a16:creationId xmlns:a16="http://schemas.microsoft.com/office/drawing/2014/main" id="{23C7AE93-74AA-5A64-C913-78E95D70CAEB}"/>
+                <a16:creationId xmlns:a16="http://schemas.microsoft.com/office/drawing/2014/main" id="{3C30B7C7-7A6A-9503-111E-F2CFF97C7A7F}"/>
               </a:ext>
             </a:extLst>
           </p:cNvPr>
@@ -4312,59 +4316,43 @@
           <a:bodyPr/>
           <a:lstStyle/>
           <a:p>
-            <a:pPr>
-              <a:buFont typeface="Arial" panose="020B0604020202020204" pitchFamily="34" charset="0"/>
-              <a:buChar char="•"/>
-            </a:pPr>
             <a:r>
               <a:rPr lang="en-US" b="1" dirty="0"/>
-              <a:t>Source:</a:t>
+              <a:t>Source: </a:t>
             </a:r>
             <a:r>
               <a:rPr lang="en-US" dirty="0"/>
-              <a:t> Netflix content data from 2008 to 2021.</a:t>
-            </a:r>
-          </a:p>
-          <a:p>
-            <a:pPr>
-              <a:buFont typeface="Arial" panose="020B0604020202020204" pitchFamily="34" charset="0"/>
-              <a:buChar char="•"/>
-            </a:pPr>
+              <a:t>Netflix content data from 2008 to 2021.</a:t>
+            </a:r>
+          </a:p>
+          <a:p>
             <a:r>
               <a:rPr lang="en-US" b="1" dirty="0"/>
-              <a:t>Fields:</a:t>
+              <a:t>Fields: </a:t>
             </a:r>
             <a:r>
               <a:rPr lang="en-US" dirty="0"/>
-              <a:t> Includes attributes such as title, director, country, date added, release year, rating, duration, and genres.</a:t>
-            </a:r>
-          </a:p>
-          <a:p>
-            <a:pPr>
-              <a:buFont typeface="Arial" panose="020B0604020202020204" pitchFamily="34" charset="0"/>
-              <a:buChar char="•"/>
-            </a:pPr>
+              <a:t>Includes attributes such as title, director, country, date added, release year, rating, duration, and genres.</a:t>
+            </a:r>
+          </a:p>
+          <a:p>
             <a:r>
               <a:rPr lang="en-US" b="1" dirty="0"/>
-              <a:t>Time Span:</a:t>
+              <a:t>Time Span</a:t>
             </a:r>
             <a:r>
               <a:rPr lang="en-US" dirty="0"/>
-              <a:t> Content from as early as 1925 to the most recent addition in 2021.</a:t>
-            </a:r>
-          </a:p>
-          <a:p>
-            <a:pPr>
-              <a:buFont typeface="Arial" panose="020B0604020202020204" pitchFamily="34" charset="0"/>
-              <a:buChar char="•"/>
-            </a:pPr>
+              <a:t>: Content from as early as 1925 to the most recent addition in 2021.</a:t>
+            </a:r>
+          </a:p>
+          <a:p>
             <a:r>
               <a:rPr lang="en-US" b="1" dirty="0"/>
-              <a:t>Size:</a:t>
+              <a:t>Size: </a:t>
             </a:r>
             <a:r>
               <a:rPr lang="en-US" dirty="0"/>
-              <a:t> The dataset consists of 8,790 rows with 10 attributes.</a:t>
+              <a:t>The dataset consists of 8,790 rows with 10 attributes.</a:t>
             </a:r>
           </a:p>
         </p:txBody>
@@ -4372,7 +4360,7 @@
     </p:spTree>
     <p:extLst>
       <p:ext uri="{BB962C8B-B14F-4D97-AF65-F5344CB8AC3E}">
-        <p14:creationId xmlns:p14="http://schemas.microsoft.com/office/powerpoint/2010/main" val="1288851056"/>
+        <p14:creationId xmlns:p14="http://schemas.microsoft.com/office/powerpoint/2010/main" val="966937245"/>
       </p:ext>
     </p:extLst>
   </p:cSld>
@@ -4417,7 +4405,9 @@
         </p:nvSpPr>
         <p:spPr/>
         <p:txBody>
-          <a:bodyPr/>
+          <a:bodyPr>
+            <a:normAutofit/>
+          </a:bodyPr>
           <a:lstStyle/>
           <a:p>
             <a:r>
@@ -4445,7 +4435,9 @@
         </p:nvSpPr>
         <p:spPr/>
         <p:txBody>
-          <a:bodyPr/>
+          <a:bodyPr>
+            <a:normAutofit lnSpcReduction="10000"/>
+          </a:bodyPr>
           <a:lstStyle/>
           <a:p>
             <a:pPr>
@@ -4599,7 +4591,7 @@
         <p:spPr/>
         <p:txBody>
           <a:bodyPr>
-            <a:normAutofit/>
+            <a:normAutofit fontScale="92500" lnSpcReduction="10000"/>
           </a:bodyPr>
           <a:lstStyle/>
           <a:p>
@@ -4738,7 +4730,9 @@
         </p:nvSpPr>
         <p:spPr/>
         <p:txBody>
-          <a:bodyPr/>
+          <a:bodyPr>
+            <a:normAutofit/>
+          </a:bodyPr>
           <a:lstStyle/>
           <a:p>
             <a:r>
@@ -4767,7 +4761,7 @@
         <p:spPr/>
         <p:txBody>
           <a:bodyPr>
-            <a:normAutofit/>
+            <a:normAutofit fontScale="92500" lnSpcReduction="10000"/>
           </a:bodyPr>
           <a:lstStyle/>
           <a:p>
@@ -4877,7 +4871,7 @@
           <p:cNvPr id="2" name="Title 1">
             <a:extLst>
               <a:ext uri="{FF2B5EF4-FFF2-40B4-BE49-F238E27FC236}">
-                <a16:creationId xmlns:a16="http://schemas.microsoft.com/office/drawing/2014/main" id="{E9DE4E3D-5147-4C32-2586-95C9D6E08498}"/>
+                <a16:creationId xmlns:a16="http://schemas.microsoft.com/office/drawing/2014/main" id="{530B51DE-D700-2249-1156-7E652E34FD1B}"/>
               </a:ext>
             </a:extLst>
           </p:cNvPr>
@@ -4888,7 +4882,12 @@
             <p:ph type="title"/>
           </p:nvPr>
         </p:nvSpPr>
-        <p:spPr/>
+        <p:spPr>
+          <a:xfrm>
+            <a:off x="214531" y="2542781"/>
+            <a:ext cx="4567314" cy="1772436"/>
+          </a:xfrm>
+        </p:spPr>
         <p:txBody>
           <a:bodyPr/>
           <a:lstStyle/>
@@ -4902,68 +4901,24 @@
       </p:sp>
       <p:sp>
         <p:nvSpPr>
-          <p:cNvPr id="4" name="Rectangle 1">
-            <a:extLst>
-              <a:ext uri="{FF2B5EF4-FFF2-40B4-BE49-F238E27FC236}">
-                <a16:creationId xmlns:a16="http://schemas.microsoft.com/office/drawing/2014/main" id="{C42F75DD-47B1-2EB5-2BA6-AEAD7E4EA1CA}"/>
-              </a:ext>
-            </a:extLst>
-          </p:cNvPr>
-          <p:cNvSpPr>
-            <a:spLocks noGrp="1" noChangeArrowheads="1"/>
+          <p:cNvPr id="3" name="Content Placeholder 2">
+            <a:extLst>
+              <a:ext uri="{FF2B5EF4-FFF2-40B4-BE49-F238E27FC236}">
+                <a16:creationId xmlns:a16="http://schemas.microsoft.com/office/drawing/2014/main" id="{E9123C03-2615-119C-53DA-1418343D8A91}"/>
+              </a:ext>
+            </a:extLst>
+          </p:cNvPr>
+          <p:cNvSpPr>
+            <a:spLocks noGrp="1"/>
           </p:cNvSpPr>
           <p:nvPr>
             <p:ph idx="1"/>
           </p:nvPr>
         </p:nvSpPr>
-        <p:spPr bwMode="auto">
-          <a:xfrm>
-            <a:off x="838199" y="1963271"/>
-            <a:ext cx="10781715" cy="3576917"/>
-          </a:xfrm>
-          <a:prstGeom prst="rect">
-            <a:avLst/>
-          </a:prstGeom>
-          <a:noFill/>
-          <a:ln>
-            <a:noFill/>
-          </a:ln>
-          <a:effectLst/>
-          <a:extLst>
-            <a:ext uri="{909E8E84-426E-40DD-AFC4-6F175D3DCCD1}">
-              <a14:hiddenFill xmlns:a14="http://schemas.microsoft.com/office/drawing/2010/main">
-                <a:solidFill>
-                  <a:schemeClr val="accent1"/>
-                </a:solidFill>
-              </a14:hiddenFill>
-            </a:ext>
-            <a:ext uri="{91240B29-F687-4F45-9708-019B960494DF}">
-              <a14:hiddenLine xmlns:a14="http://schemas.microsoft.com/office/drawing/2010/main" w="9525">
-                <a:solidFill>
-                  <a:schemeClr val="tx1"/>
-                </a:solidFill>
-                <a:miter lim="800000"/>
-                <a:headEnd/>
-                <a:tailEnd/>
-              </a14:hiddenLine>
-            </a:ext>
-            <a:ext uri="{AF507438-7753-43E0-B8FC-AC1667EBCBE1}">
-              <a14:hiddenEffects xmlns:a14="http://schemas.microsoft.com/office/drawing/2010/main">
-                <a:effectLst>
-                  <a:outerShdw dist="35921" dir="2700000" algn="ctr" rotWithShape="0">
-                    <a:schemeClr val="bg2"/>
-                  </a:outerShdw>
-                </a:effectLst>
-              </a14:hiddenEffects>
-            </a:ext>
-          </a:extLst>
-        </p:spPr>
-        <p:txBody>
-          <a:bodyPr vert="horz" wrap="square" lIns="91440" tIns="45720" rIns="91440" bIns="45720" numCol="1" anchor="ctr" anchorCtr="0" compatLnSpc="1">
-            <a:prstTxWarp prst="textNoShape">
-              <a:avLst/>
-            </a:prstTxWarp>
-            <a:normAutofit/>
+        <p:spPr/>
+        <p:txBody>
+          <a:bodyPr>
+            <a:normAutofit fontScale="92500" lnSpcReduction="10000"/>
           </a:bodyPr>
           <a:lstStyle/>
           <a:p>
@@ -5114,7 +5069,7 @@
     </p:spTree>
     <p:extLst>
       <p:ext uri="{BB962C8B-B14F-4D97-AF65-F5344CB8AC3E}">
-        <p14:creationId xmlns:p14="http://schemas.microsoft.com/office/powerpoint/2010/main" val="1042610478"/>
+        <p14:creationId xmlns:p14="http://schemas.microsoft.com/office/powerpoint/2010/main" val="597243492"/>
       </p:ext>
     </p:extLst>
   </p:cSld>
@@ -5146,7 +5101,7 @@
           <p:cNvPr id="2" name="Title 1">
             <a:extLst>
               <a:ext uri="{FF2B5EF4-FFF2-40B4-BE49-F238E27FC236}">
-                <a16:creationId xmlns:a16="http://schemas.microsoft.com/office/drawing/2014/main" id="{717A318C-DFEC-82AE-752B-E23EF5D5CEAD}"/>
+                <a16:creationId xmlns:a16="http://schemas.microsoft.com/office/drawing/2014/main" id="{1573E88E-BB28-2118-ECA9-5DB31298009B}"/>
               </a:ext>
             </a:extLst>
           </p:cNvPr>
@@ -5157,7 +5112,12 @@
             <p:ph type="title"/>
           </p:nvPr>
         </p:nvSpPr>
-        <p:spPr/>
+        <p:spPr>
+          <a:xfrm>
+            <a:off x="214531" y="2960128"/>
+            <a:ext cx="4567314" cy="937742"/>
+          </a:xfrm>
+        </p:spPr>
         <p:txBody>
           <a:bodyPr/>
           <a:lstStyle/>
@@ -5174,7 +5134,7 @@
           <p:cNvPr id="3" name="Content Placeholder 2">
             <a:extLst>
               <a:ext uri="{FF2B5EF4-FFF2-40B4-BE49-F238E27FC236}">
-                <a16:creationId xmlns:a16="http://schemas.microsoft.com/office/drawing/2014/main" id="{D3AFF89F-E782-E758-BB8B-D10E3C0A4625}"/>
+                <a16:creationId xmlns:a16="http://schemas.microsoft.com/office/drawing/2014/main" id="{C2AD4E22-E0B4-E8D4-EEBB-6F2AA8C5BB4B}"/>
               </a:ext>
             </a:extLst>
           </p:cNvPr>
@@ -5190,70 +5150,26 @@
           <a:bodyPr/>
           <a:lstStyle/>
           <a:p>
-            <a:pPr eaLnBrk="0" fontAlgn="base" hangingPunct="0">
-              <a:lnSpc>
-                <a:spcPct val="100000"/>
-              </a:lnSpc>
-              <a:spcBef>
-                <a:spcPct val="0"/>
-              </a:spcBef>
-              <a:spcAft>
-                <a:spcPct val="0"/>
-              </a:spcAft>
-            </a:pPr>
-            <a:r>
-              <a:rPr lang="en-US" altLang="en-US" sz="2800" dirty="0"/>
+            <a:r>
+              <a:rPr lang="en-US" altLang="en-US" dirty="0"/>
               <a:t>The Netflix dataset was successfully cleaned and analyzed using Python, SQL, and Tableau.</a:t>
             </a:r>
           </a:p>
           <a:p>
-            <a:pPr eaLnBrk="0" fontAlgn="base" hangingPunct="0">
-              <a:lnSpc>
-                <a:spcPct val="100000"/>
-              </a:lnSpc>
-              <a:spcBef>
-                <a:spcPct val="0"/>
-              </a:spcBef>
-              <a:spcAft>
-                <a:spcPct val="0"/>
-              </a:spcAft>
-            </a:pPr>
-            <a:r>
-              <a:rPr lang="en-US" altLang="en-US" sz="2800" dirty="0"/>
+            <a:r>
+              <a:rPr lang="en-US" altLang="en-US" dirty="0"/>
               <a:t>Key insights into content trends, popular genres, and top directors were revealed.</a:t>
             </a:r>
           </a:p>
           <a:p>
-            <a:pPr eaLnBrk="0" fontAlgn="base" hangingPunct="0">
-              <a:lnSpc>
-                <a:spcPct val="100000"/>
-              </a:lnSpc>
-              <a:spcBef>
-                <a:spcPct val="0"/>
-              </a:spcBef>
-              <a:spcAft>
-                <a:spcPct val="0"/>
-              </a:spcAft>
-            </a:pPr>
-            <a:r>
-              <a:rPr lang="en-US" altLang="en-US" sz="2800" dirty="0"/>
+            <a:r>
+              <a:rPr lang="en-US" altLang="en-US" dirty="0"/>
               <a:t>The analysis highlighted Netflix’s content growth, particularly over the last few years.</a:t>
             </a:r>
           </a:p>
           <a:p>
-            <a:pPr eaLnBrk="0" fontAlgn="base" hangingPunct="0">
-              <a:lnSpc>
-                <a:spcPct val="100000"/>
-              </a:lnSpc>
-              <a:spcBef>
-                <a:spcPct val="0"/>
-              </a:spcBef>
-              <a:spcAft>
-                <a:spcPct val="0"/>
-              </a:spcAft>
-            </a:pPr>
-            <a:r>
-              <a:rPr lang="en-US" altLang="en-US" sz="2800" dirty="0"/>
+            <a:r>
+              <a:rPr lang="en-US" altLang="en-US" dirty="0"/>
               <a:t>The project laid a foundation for future advanced analysis, including predictive models for content trends. </a:t>
             </a:r>
           </a:p>
@@ -5262,7 +5178,7 @@
     </p:spTree>
     <p:extLst>
       <p:ext uri="{BB962C8B-B14F-4D97-AF65-F5344CB8AC3E}">
-        <p14:creationId xmlns:p14="http://schemas.microsoft.com/office/powerpoint/2010/main" val="2160114345"/>
+        <p14:creationId xmlns:p14="http://schemas.microsoft.com/office/powerpoint/2010/main" val="1856762652"/>
       </p:ext>
     </p:extLst>
   </p:cSld>
